--- a/ppt 16-9/1254.走上不归路.pptx
+++ b/ppt 16-9/1254.走上不归路.pptx
@@ -129,7 +129,7 @@
           <p:cNvPr id="2" name="标题 1">
             <a:extLst>
               <a:ext uri="{FF2B5EF4-FFF2-40B4-BE49-F238E27FC236}">
-                <a16:creationId xmlns:a16="http://schemas.microsoft.com/office/drawing/2014/main" id="{ED1530B0-BA9C-28AA-1D24-3F40B72B4A8E}"/>
+                <a16:creationId xmlns:a16="http://schemas.microsoft.com/office/drawing/2014/main" id="{EEF3E5BF-9D77-E5BF-7BCC-B552030E1530}"/>
               </a:ext>
             </a:extLst>
           </p:cNvPr>
@@ -166,7 +166,7 @@
           <p:cNvPr id="3" name="副标题 2">
             <a:extLst>
               <a:ext uri="{FF2B5EF4-FFF2-40B4-BE49-F238E27FC236}">
-                <a16:creationId xmlns:a16="http://schemas.microsoft.com/office/drawing/2014/main" id="{C3B385F5-2598-565A-8732-10A0E561A44C}"/>
+                <a16:creationId xmlns:a16="http://schemas.microsoft.com/office/drawing/2014/main" id="{D41BD71C-2F89-9315-C79F-00C421C77B2F}"/>
               </a:ext>
             </a:extLst>
           </p:cNvPr>
@@ -236,7 +236,7 @@
           <p:cNvPr id="4" name="日期占位符 3">
             <a:extLst>
               <a:ext uri="{FF2B5EF4-FFF2-40B4-BE49-F238E27FC236}">
-                <a16:creationId xmlns:a16="http://schemas.microsoft.com/office/drawing/2014/main" id="{F268A914-808C-BB29-D390-7DF4B8D10914}"/>
+                <a16:creationId xmlns:a16="http://schemas.microsoft.com/office/drawing/2014/main" id="{49789C52-3DB6-EDE8-E326-BF7769C020CB}"/>
               </a:ext>
             </a:extLst>
           </p:cNvPr>
@@ -252,7 +252,7 @@
           <a:bodyPr/>
           <a:lstStyle/>
           <a:p>
-            <a:fld id="{898A45A2-97BC-4485-A1DE-301A1C545820}" type="datetimeFigureOut">
+            <a:fld id="{9E51B666-DCE6-4F50-9422-E0B021EA28BA}" type="datetimeFigureOut">
               <a:rPr lang="zh-CN" altLang="en-US" smtClean="0"/>
               <a:t>2024/3/10</a:t>
             </a:fld>
@@ -265,7 +265,7 @@
           <p:cNvPr id="5" name="页脚占位符 4">
             <a:extLst>
               <a:ext uri="{FF2B5EF4-FFF2-40B4-BE49-F238E27FC236}">
-                <a16:creationId xmlns:a16="http://schemas.microsoft.com/office/drawing/2014/main" id="{A1F08024-3202-6D05-AC7D-61BFEFB6E5AF}"/>
+                <a16:creationId xmlns:a16="http://schemas.microsoft.com/office/drawing/2014/main" id="{832A217B-0AA1-3570-90C3-70827CC7C020}"/>
               </a:ext>
             </a:extLst>
           </p:cNvPr>
@@ -290,7 +290,7 @@
           <p:cNvPr id="6" name="灯片编号占位符 5">
             <a:extLst>
               <a:ext uri="{FF2B5EF4-FFF2-40B4-BE49-F238E27FC236}">
-                <a16:creationId xmlns:a16="http://schemas.microsoft.com/office/drawing/2014/main" id="{A6A75B0C-6EDE-C952-39B5-A5AC80C00AA3}"/>
+                <a16:creationId xmlns:a16="http://schemas.microsoft.com/office/drawing/2014/main" id="{352F48BA-AEB3-9D49-8CD8-68E07940876E}"/>
               </a:ext>
             </a:extLst>
           </p:cNvPr>
@@ -306,7 +306,7 @@
           <a:bodyPr/>
           <a:lstStyle/>
           <a:p>
-            <a:fld id="{4516BFE8-EA22-4E36-B967-F55BDE96881D}" type="slidenum">
+            <a:fld id="{70F8DC5D-A128-44B3-BC5B-F380C8C040D4}" type="slidenum">
               <a:rPr lang="zh-CN" altLang="en-US" smtClean="0"/>
               <a:t>‹#›</a:t>
             </a:fld>
@@ -317,7 +317,7 @@
     </p:spTree>
     <p:extLst>
       <p:ext uri="{BB962C8B-B14F-4D97-AF65-F5344CB8AC3E}">
-        <p14:creationId xmlns:p14="http://schemas.microsoft.com/office/powerpoint/2010/main" val="1379760758"/>
+        <p14:creationId xmlns:p14="http://schemas.microsoft.com/office/powerpoint/2010/main" val="1214328301"/>
       </p:ext>
     </p:extLst>
   </p:cSld>
@@ -349,7 +349,7 @@
           <p:cNvPr id="2" name="标题 1">
             <a:extLst>
               <a:ext uri="{FF2B5EF4-FFF2-40B4-BE49-F238E27FC236}">
-                <a16:creationId xmlns:a16="http://schemas.microsoft.com/office/drawing/2014/main" id="{0175944B-5702-679C-0D05-D4EA0D07DE32}"/>
+                <a16:creationId xmlns:a16="http://schemas.microsoft.com/office/drawing/2014/main" id="{095BA2FE-E58B-B6C8-6F6C-FB93DA5839EE}"/>
               </a:ext>
             </a:extLst>
           </p:cNvPr>
@@ -377,7 +377,7 @@
           <p:cNvPr id="3" name="竖排文字占位符 2">
             <a:extLst>
               <a:ext uri="{FF2B5EF4-FFF2-40B4-BE49-F238E27FC236}">
-                <a16:creationId xmlns:a16="http://schemas.microsoft.com/office/drawing/2014/main" id="{99A36237-BF2C-E8A2-91BD-80331E507FAC}"/>
+                <a16:creationId xmlns:a16="http://schemas.microsoft.com/office/drawing/2014/main" id="{8E1017A4-BB36-9716-B1A7-82FB39C80D64}"/>
               </a:ext>
             </a:extLst>
           </p:cNvPr>
@@ -434,7 +434,7 @@
           <p:cNvPr id="4" name="日期占位符 3">
             <a:extLst>
               <a:ext uri="{FF2B5EF4-FFF2-40B4-BE49-F238E27FC236}">
-                <a16:creationId xmlns:a16="http://schemas.microsoft.com/office/drawing/2014/main" id="{1FB7B568-F426-1B9A-4568-E223D717B064}"/>
+                <a16:creationId xmlns:a16="http://schemas.microsoft.com/office/drawing/2014/main" id="{0E35D21D-486B-7730-45DE-4E0F69A2C79B}"/>
               </a:ext>
             </a:extLst>
           </p:cNvPr>
@@ -450,7 +450,7 @@
           <a:bodyPr/>
           <a:lstStyle/>
           <a:p>
-            <a:fld id="{898A45A2-97BC-4485-A1DE-301A1C545820}" type="datetimeFigureOut">
+            <a:fld id="{9E51B666-DCE6-4F50-9422-E0B021EA28BA}" type="datetimeFigureOut">
               <a:rPr lang="zh-CN" altLang="en-US" smtClean="0"/>
               <a:t>2024/3/10</a:t>
             </a:fld>
@@ -463,7 +463,7 @@
           <p:cNvPr id="5" name="页脚占位符 4">
             <a:extLst>
               <a:ext uri="{FF2B5EF4-FFF2-40B4-BE49-F238E27FC236}">
-                <a16:creationId xmlns:a16="http://schemas.microsoft.com/office/drawing/2014/main" id="{F655716B-FA51-1815-BA4E-BBF85DE55D9A}"/>
+                <a16:creationId xmlns:a16="http://schemas.microsoft.com/office/drawing/2014/main" id="{529E61CA-8219-32FC-41CE-3A3DB65E3CAD}"/>
               </a:ext>
             </a:extLst>
           </p:cNvPr>
@@ -488,7 +488,7 @@
           <p:cNvPr id="6" name="灯片编号占位符 5">
             <a:extLst>
               <a:ext uri="{FF2B5EF4-FFF2-40B4-BE49-F238E27FC236}">
-                <a16:creationId xmlns:a16="http://schemas.microsoft.com/office/drawing/2014/main" id="{1ADD797A-F99E-59E6-1E89-26E36F4D4221}"/>
+                <a16:creationId xmlns:a16="http://schemas.microsoft.com/office/drawing/2014/main" id="{260BAACA-70FA-7348-C074-2C4EE2094F43}"/>
               </a:ext>
             </a:extLst>
           </p:cNvPr>
@@ -504,7 +504,7 @@
           <a:bodyPr/>
           <a:lstStyle/>
           <a:p>
-            <a:fld id="{4516BFE8-EA22-4E36-B967-F55BDE96881D}" type="slidenum">
+            <a:fld id="{70F8DC5D-A128-44B3-BC5B-F380C8C040D4}" type="slidenum">
               <a:rPr lang="zh-CN" altLang="en-US" smtClean="0"/>
               <a:t>‹#›</a:t>
             </a:fld>
@@ -515,7 +515,7 @@
     </p:spTree>
     <p:extLst>
       <p:ext uri="{BB962C8B-B14F-4D97-AF65-F5344CB8AC3E}">
-        <p14:creationId xmlns:p14="http://schemas.microsoft.com/office/powerpoint/2010/main" val="2260861055"/>
+        <p14:creationId xmlns:p14="http://schemas.microsoft.com/office/powerpoint/2010/main" val="2218940740"/>
       </p:ext>
     </p:extLst>
   </p:cSld>
@@ -547,7 +547,7 @@
           <p:cNvPr id="2" name="竖排标题 1">
             <a:extLst>
               <a:ext uri="{FF2B5EF4-FFF2-40B4-BE49-F238E27FC236}">
-                <a16:creationId xmlns:a16="http://schemas.microsoft.com/office/drawing/2014/main" id="{654CE1B9-360B-528A-DB27-5B2235E01EA0}"/>
+                <a16:creationId xmlns:a16="http://schemas.microsoft.com/office/drawing/2014/main" id="{AF76D987-4DCA-16FB-ECBB-5F12EFF7CF70}"/>
               </a:ext>
             </a:extLst>
           </p:cNvPr>
@@ -580,7 +580,7 @@
           <p:cNvPr id="3" name="竖排文字占位符 2">
             <a:extLst>
               <a:ext uri="{FF2B5EF4-FFF2-40B4-BE49-F238E27FC236}">
-                <a16:creationId xmlns:a16="http://schemas.microsoft.com/office/drawing/2014/main" id="{14EB5D38-6782-520D-7133-51FAB71A148E}"/>
+                <a16:creationId xmlns:a16="http://schemas.microsoft.com/office/drawing/2014/main" id="{83E900AD-FBDC-8DE9-093E-6BAD974ADB94}"/>
               </a:ext>
             </a:extLst>
           </p:cNvPr>
@@ -642,7 +642,7 @@
           <p:cNvPr id="4" name="日期占位符 3">
             <a:extLst>
               <a:ext uri="{FF2B5EF4-FFF2-40B4-BE49-F238E27FC236}">
-                <a16:creationId xmlns:a16="http://schemas.microsoft.com/office/drawing/2014/main" id="{CEE73948-CBA2-B4E4-0F22-1880D06997F8}"/>
+                <a16:creationId xmlns:a16="http://schemas.microsoft.com/office/drawing/2014/main" id="{C1F434EE-5CCA-D0F3-A2EC-C8D532541CD2}"/>
               </a:ext>
             </a:extLst>
           </p:cNvPr>
@@ -658,7 +658,7 @@
           <a:bodyPr/>
           <a:lstStyle/>
           <a:p>
-            <a:fld id="{898A45A2-97BC-4485-A1DE-301A1C545820}" type="datetimeFigureOut">
+            <a:fld id="{9E51B666-DCE6-4F50-9422-E0B021EA28BA}" type="datetimeFigureOut">
               <a:rPr lang="zh-CN" altLang="en-US" smtClean="0"/>
               <a:t>2024/3/10</a:t>
             </a:fld>
@@ -671,7 +671,7 @@
           <p:cNvPr id="5" name="页脚占位符 4">
             <a:extLst>
               <a:ext uri="{FF2B5EF4-FFF2-40B4-BE49-F238E27FC236}">
-                <a16:creationId xmlns:a16="http://schemas.microsoft.com/office/drawing/2014/main" id="{CF2B0E1F-DDA0-FD59-E3BC-6C7B7654207B}"/>
+                <a16:creationId xmlns:a16="http://schemas.microsoft.com/office/drawing/2014/main" id="{23010FC8-3646-070D-9D69-562F9D544A22}"/>
               </a:ext>
             </a:extLst>
           </p:cNvPr>
@@ -696,7 +696,7 @@
           <p:cNvPr id="6" name="灯片编号占位符 5">
             <a:extLst>
               <a:ext uri="{FF2B5EF4-FFF2-40B4-BE49-F238E27FC236}">
-                <a16:creationId xmlns:a16="http://schemas.microsoft.com/office/drawing/2014/main" id="{6DF358F4-5C60-5399-6D55-E1AD6CF02987}"/>
+                <a16:creationId xmlns:a16="http://schemas.microsoft.com/office/drawing/2014/main" id="{D55CB9A1-8E53-AA1C-7ACF-35A0D6EB8D05}"/>
               </a:ext>
             </a:extLst>
           </p:cNvPr>
@@ -712,7 +712,7 @@
           <a:bodyPr/>
           <a:lstStyle/>
           <a:p>
-            <a:fld id="{4516BFE8-EA22-4E36-B967-F55BDE96881D}" type="slidenum">
+            <a:fld id="{70F8DC5D-A128-44B3-BC5B-F380C8C040D4}" type="slidenum">
               <a:rPr lang="zh-CN" altLang="en-US" smtClean="0"/>
               <a:t>‹#›</a:t>
             </a:fld>
@@ -723,7 +723,7 @@
     </p:spTree>
     <p:extLst>
       <p:ext uri="{BB962C8B-B14F-4D97-AF65-F5344CB8AC3E}">
-        <p14:creationId xmlns:p14="http://schemas.microsoft.com/office/powerpoint/2010/main" val="2766863082"/>
+        <p14:creationId xmlns:p14="http://schemas.microsoft.com/office/powerpoint/2010/main" val="1475676745"/>
       </p:ext>
     </p:extLst>
   </p:cSld>
@@ -755,7 +755,7 @@
           <p:cNvPr id="2" name="标题 1">
             <a:extLst>
               <a:ext uri="{FF2B5EF4-FFF2-40B4-BE49-F238E27FC236}">
-                <a16:creationId xmlns:a16="http://schemas.microsoft.com/office/drawing/2014/main" id="{FE05F62D-D92B-219F-DD47-41D0A33926CB}"/>
+                <a16:creationId xmlns:a16="http://schemas.microsoft.com/office/drawing/2014/main" id="{ECC2F498-598F-E31B-3585-EC814F57DCD1}"/>
               </a:ext>
             </a:extLst>
           </p:cNvPr>
@@ -783,7 +783,7 @@
           <p:cNvPr id="3" name="内容占位符 2">
             <a:extLst>
               <a:ext uri="{FF2B5EF4-FFF2-40B4-BE49-F238E27FC236}">
-                <a16:creationId xmlns:a16="http://schemas.microsoft.com/office/drawing/2014/main" id="{825F48F8-20C4-576B-4A7A-FA89347ACFE8}"/>
+                <a16:creationId xmlns:a16="http://schemas.microsoft.com/office/drawing/2014/main" id="{3B114C86-6863-0F06-D70F-01FAD2C4123C}"/>
               </a:ext>
             </a:extLst>
           </p:cNvPr>
@@ -840,7 +840,7 @@
           <p:cNvPr id="4" name="日期占位符 3">
             <a:extLst>
               <a:ext uri="{FF2B5EF4-FFF2-40B4-BE49-F238E27FC236}">
-                <a16:creationId xmlns:a16="http://schemas.microsoft.com/office/drawing/2014/main" id="{B04B8C2E-BC53-98BE-C0FE-6CC36B6597B6}"/>
+                <a16:creationId xmlns:a16="http://schemas.microsoft.com/office/drawing/2014/main" id="{83A848B9-80B0-B8A9-C011-31406BE04C01}"/>
               </a:ext>
             </a:extLst>
           </p:cNvPr>
@@ -856,7 +856,7 @@
           <a:bodyPr/>
           <a:lstStyle/>
           <a:p>
-            <a:fld id="{898A45A2-97BC-4485-A1DE-301A1C545820}" type="datetimeFigureOut">
+            <a:fld id="{9E51B666-DCE6-4F50-9422-E0B021EA28BA}" type="datetimeFigureOut">
               <a:rPr lang="zh-CN" altLang="en-US" smtClean="0"/>
               <a:t>2024/3/10</a:t>
             </a:fld>
@@ -869,7 +869,7 @@
           <p:cNvPr id="5" name="页脚占位符 4">
             <a:extLst>
               <a:ext uri="{FF2B5EF4-FFF2-40B4-BE49-F238E27FC236}">
-                <a16:creationId xmlns:a16="http://schemas.microsoft.com/office/drawing/2014/main" id="{647FE406-16C4-3DDF-9162-3CE4F459A4BA}"/>
+                <a16:creationId xmlns:a16="http://schemas.microsoft.com/office/drawing/2014/main" id="{AC70CAC4-8AE1-0204-7840-753ED0B30BD2}"/>
               </a:ext>
             </a:extLst>
           </p:cNvPr>
@@ -894,7 +894,7 @@
           <p:cNvPr id="6" name="灯片编号占位符 5">
             <a:extLst>
               <a:ext uri="{FF2B5EF4-FFF2-40B4-BE49-F238E27FC236}">
-                <a16:creationId xmlns:a16="http://schemas.microsoft.com/office/drawing/2014/main" id="{2CBC004E-15B3-F871-D9A4-0E2AF4F3EDD4}"/>
+                <a16:creationId xmlns:a16="http://schemas.microsoft.com/office/drawing/2014/main" id="{74C5CC15-9872-B7DB-1242-86AB60ED2EC2}"/>
               </a:ext>
             </a:extLst>
           </p:cNvPr>
@@ -910,7 +910,7 @@
           <a:bodyPr/>
           <a:lstStyle/>
           <a:p>
-            <a:fld id="{4516BFE8-EA22-4E36-B967-F55BDE96881D}" type="slidenum">
+            <a:fld id="{70F8DC5D-A128-44B3-BC5B-F380C8C040D4}" type="slidenum">
               <a:rPr lang="zh-CN" altLang="en-US" smtClean="0"/>
               <a:t>‹#›</a:t>
             </a:fld>
@@ -921,7 +921,7 @@
     </p:spTree>
     <p:extLst>
       <p:ext uri="{BB962C8B-B14F-4D97-AF65-F5344CB8AC3E}">
-        <p14:creationId xmlns:p14="http://schemas.microsoft.com/office/powerpoint/2010/main" val="1729632446"/>
+        <p14:creationId xmlns:p14="http://schemas.microsoft.com/office/powerpoint/2010/main" val="2769066181"/>
       </p:ext>
     </p:extLst>
   </p:cSld>
@@ -953,7 +953,7 @@
           <p:cNvPr id="2" name="标题 1">
             <a:extLst>
               <a:ext uri="{FF2B5EF4-FFF2-40B4-BE49-F238E27FC236}">
-                <a16:creationId xmlns:a16="http://schemas.microsoft.com/office/drawing/2014/main" id="{5787FAFA-2FB4-AEBC-660A-68D16B25A991}"/>
+                <a16:creationId xmlns:a16="http://schemas.microsoft.com/office/drawing/2014/main" id="{8D31CEBE-207A-20CB-D6AB-9FCCAD6DF48C}"/>
               </a:ext>
             </a:extLst>
           </p:cNvPr>
@@ -990,7 +990,7 @@
           <p:cNvPr id="3" name="文本占位符 2">
             <a:extLst>
               <a:ext uri="{FF2B5EF4-FFF2-40B4-BE49-F238E27FC236}">
-                <a16:creationId xmlns:a16="http://schemas.microsoft.com/office/drawing/2014/main" id="{2D157823-DA84-A599-0D2B-3EF508189E74}"/>
+                <a16:creationId xmlns:a16="http://schemas.microsoft.com/office/drawing/2014/main" id="{20C8635E-BA1E-807F-E6C6-E4FA776C5F9E}"/>
               </a:ext>
             </a:extLst>
           </p:cNvPr>
@@ -1115,7 +1115,7 @@
           <p:cNvPr id="4" name="日期占位符 3">
             <a:extLst>
               <a:ext uri="{FF2B5EF4-FFF2-40B4-BE49-F238E27FC236}">
-                <a16:creationId xmlns:a16="http://schemas.microsoft.com/office/drawing/2014/main" id="{22F56FA4-A11F-4C9F-009A-2C70B03E7556}"/>
+                <a16:creationId xmlns:a16="http://schemas.microsoft.com/office/drawing/2014/main" id="{32CA6B16-8EBA-5E07-AA41-443BE532AD63}"/>
               </a:ext>
             </a:extLst>
           </p:cNvPr>
@@ -1131,7 +1131,7 @@
           <a:bodyPr/>
           <a:lstStyle/>
           <a:p>
-            <a:fld id="{898A45A2-97BC-4485-A1DE-301A1C545820}" type="datetimeFigureOut">
+            <a:fld id="{9E51B666-DCE6-4F50-9422-E0B021EA28BA}" type="datetimeFigureOut">
               <a:rPr lang="zh-CN" altLang="en-US" smtClean="0"/>
               <a:t>2024/3/10</a:t>
             </a:fld>
@@ -1144,7 +1144,7 @@
           <p:cNvPr id="5" name="页脚占位符 4">
             <a:extLst>
               <a:ext uri="{FF2B5EF4-FFF2-40B4-BE49-F238E27FC236}">
-                <a16:creationId xmlns:a16="http://schemas.microsoft.com/office/drawing/2014/main" id="{8CEF91DF-DA62-7FD6-DC07-E347A28D35AA}"/>
+                <a16:creationId xmlns:a16="http://schemas.microsoft.com/office/drawing/2014/main" id="{5115574F-9459-3314-8774-934FDD2D31AB}"/>
               </a:ext>
             </a:extLst>
           </p:cNvPr>
@@ -1169,7 +1169,7 @@
           <p:cNvPr id="6" name="灯片编号占位符 5">
             <a:extLst>
               <a:ext uri="{FF2B5EF4-FFF2-40B4-BE49-F238E27FC236}">
-                <a16:creationId xmlns:a16="http://schemas.microsoft.com/office/drawing/2014/main" id="{BB9B118D-4374-B8CE-F859-3AF3B59834B9}"/>
+                <a16:creationId xmlns:a16="http://schemas.microsoft.com/office/drawing/2014/main" id="{CAEE2DC8-5B0A-3615-4EB3-B362310B8DC0}"/>
               </a:ext>
             </a:extLst>
           </p:cNvPr>
@@ -1185,7 +1185,7 @@
           <a:bodyPr/>
           <a:lstStyle/>
           <a:p>
-            <a:fld id="{4516BFE8-EA22-4E36-B967-F55BDE96881D}" type="slidenum">
+            <a:fld id="{70F8DC5D-A128-44B3-BC5B-F380C8C040D4}" type="slidenum">
               <a:rPr lang="zh-CN" altLang="en-US" smtClean="0"/>
               <a:t>‹#›</a:t>
             </a:fld>
@@ -1196,7 +1196,7 @@
     </p:spTree>
     <p:extLst>
       <p:ext uri="{BB962C8B-B14F-4D97-AF65-F5344CB8AC3E}">
-        <p14:creationId xmlns:p14="http://schemas.microsoft.com/office/powerpoint/2010/main" val="3801781864"/>
+        <p14:creationId xmlns:p14="http://schemas.microsoft.com/office/powerpoint/2010/main" val="2420661843"/>
       </p:ext>
     </p:extLst>
   </p:cSld>
@@ -1228,7 +1228,7 @@
           <p:cNvPr id="2" name="标题 1">
             <a:extLst>
               <a:ext uri="{FF2B5EF4-FFF2-40B4-BE49-F238E27FC236}">
-                <a16:creationId xmlns:a16="http://schemas.microsoft.com/office/drawing/2014/main" id="{49ECAFF0-98FF-AF3F-6CF1-3AC3CF2B1CD6}"/>
+                <a16:creationId xmlns:a16="http://schemas.microsoft.com/office/drawing/2014/main" id="{E76A418D-2031-DCC1-2638-D985DF657C27}"/>
               </a:ext>
             </a:extLst>
           </p:cNvPr>
@@ -1256,7 +1256,7 @@
           <p:cNvPr id="3" name="内容占位符 2">
             <a:extLst>
               <a:ext uri="{FF2B5EF4-FFF2-40B4-BE49-F238E27FC236}">
-                <a16:creationId xmlns:a16="http://schemas.microsoft.com/office/drawing/2014/main" id="{034BD89A-F92F-833D-C22B-D6FE516B180C}"/>
+                <a16:creationId xmlns:a16="http://schemas.microsoft.com/office/drawing/2014/main" id="{DF544A74-BE05-C178-FD7E-79C47CEBDD23}"/>
               </a:ext>
             </a:extLst>
           </p:cNvPr>
@@ -1318,7 +1318,7 @@
           <p:cNvPr id="4" name="内容占位符 3">
             <a:extLst>
               <a:ext uri="{FF2B5EF4-FFF2-40B4-BE49-F238E27FC236}">
-                <a16:creationId xmlns:a16="http://schemas.microsoft.com/office/drawing/2014/main" id="{991371B7-85CD-05C3-13B0-09F0B1490274}"/>
+                <a16:creationId xmlns:a16="http://schemas.microsoft.com/office/drawing/2014/main" id="{C8355496-4C78-B649-4DD0-FE26917DEEDD}"/>
               </a:ext>
             </a:extLst>
           </p:cNvPr>
@@ -1380,7 +1380,7 @@
           <p:cNvPr id="5" name="日期占位符 4">
             <a:extLst>
               <a:ext uri="{FF2B5EF4-FFF2-40B4-BE49-F238E27FC236}">
-                <a16:creationId xmlns:a16="http://schemas.microsoft.com/office/drawing/2014/main" id="{FEE5C96B-3BD2-7A86-9AC5-ACFD2A17D2EF}"/>
+                <a16:creationId xmlns:a16="http://schemas.microsoft.com/office/drawing/2014/main" id="{9C7FC1A2-2080-9413-3A49-3FC06A09F59B}"/>
               </a:ext>
             </a:extLst>
           </p:cNvPr>
@@ -1396,7 +1396,7 @@
           <a:bodyPr/>
           <a:lstStyle/>
           <a:p>
-            <a:fld id="{898A45A2-97BC-4485-A1DE-301A1C545820}" type="datetimeFigureOut">
+            <a:fld id="{9E51B666-DCE6-4F50-9422-E0B021EA28BA}" type="datetimeFigureOut">
               <a:rPr lang="zh-CN" altLang="en-US" smtClean="0"/>
               <a:t>2024/3/10</a:t>
             </a:fld>
@@ -1409,7 +1409,7 @@
           <p:cNvPr id="6" name="页脚占位符 5">
             <a:extLst>
               <a:ext uri="{FF2B5EF4-FFF2-40B4-BE49-F238E27FC236}">
-                <a16:creationId xmlns:a16="http://schemas.microsoft.com/office/drawing/2014/main" id="{76044FAF-2A9D-32E8-23D0-5A5E34DD8151}"/>
+                <a16:creationId xmlns:a16="http://schemas.microsoft.com/office/drawing/2014/main" id="{23413722-FC57-972B-4A1D-37C4B5B9F79B}"/>
               </a:ext>
             </a:extLst>
           </p:cNvPr>
@@ -1434,7 +1434,7 @@
           <p:cNvPr id="7" name="灯片编号占位符 6">
             <a:extLst>
               <a:ext uri="{FF2B5EF4-FFF2-40B4-BE49-F238E27FC236}">
-                <a16:creationId xmlns:a16="http://schemas.microsoft.com/office/drawing/2014/main" id="{818B8906-2CEF-5986-56DD-E9D3EA309D0E}"/>
+                <a16:creationId xmlns:a16="http://schemas.microsoft.com/office/drawing/2014/main" id="{1AC515D2-0222-6B28-87CE-EA7DC52907D6}"/>
               </a:ext>
             </a:extLst>
           </p:cNvPr>
@@ -1450,7 +1450,7 @@
           <a:bodyPr/>
           <a:lstStyle/>
           <a:p>
-            <a:fld id="{4516BFE8-EA22-4E36-B967-F55BDE96881D}" type="slidenum">
+            <a:fld id="{70F8DC5D-A128-44B3-BC5B-F380C8C040D4}" type="slidenum">
               <a:rPr lang="zh-CN" altLang="en-US" smtClean="0"/>
               <a:t>‹#›</a:t>
             </a:fld>
@@ -1461,7 +1461,7 @@
     </p:spTree>
     <p:extLst>
       <p:ext uri="{BB962C8B-B14F-4D97-AF65-F5344CB8AC3E}">
-        <p14:creationId xmlns:p14="http://schemas.microsoft.com/office/powerpoint/2010/main" val="2338869132"/>
+        <p14:creationId xmlns:p14="http://schemas.microsoft.com/office/powerpoint/2010/main" val="3190322277"/>
       </p:ext>
     </p:extLst>
   </p:cSld>
@@ -1493,7 +1493,7 @@
           <p:cNvPr id="2" name="标题 1">
             <a:extLst>
               <a:ext uri="{FF2B5EF4-FFF2-40B4-BE49-F238E27FC236}">
-                <a16:creationId xmlns:a16="http://schemas.microsoft.com/office/drawing/2014/main" id="{9E3614E8-8CA1-A8E5-F96C-26A3AB82C162}"/>
+                <a16:creationId xmlns:a16="http://schemas.microsoft.com/office/drawing/2014/main" id="{4179D897-CB23-730B-B674-2697AA66896C}"/>
               </a:ext>
             </a:extLst>
           </p:cNvPr>
@@ -1526,7 +1526,7 @@
           <p:cNvPr id="3" name="文本占位符 2">
             <a:extLst>
               <a:ext uri="{FF2B5EF4-FFF2-40B4-BE49-F238E27FC236}">
-                <a16:creationId xmlns:a16="http://schemas.microsoft.com/office/drawing/2014/main" id="{6AA7472B-6E10-E727-FA73-1FB8F6842471}"/>
+                <a16:creationId xmlns:a16="http://schemas.microsoft.com/office/drawing/2014/main" id="{5F07884A-CDD8-33EF-B918-FB798EB381C6}"/>
               </a:ext>
             </a:extLst>
           </p:cNvPr>
@@ -1597,7 +1597,7 @@
           <p:cNvPr id="4" name="内容占位符 3">
             <a:extLst>
               <a:ext uri="{FF2B5EF4-FFF2-40B4-BE49-F238E27FC236}">
-                <a16:creationId xmlns:a16="http://schemas.microsoft.com/office/drawing/2014/main" id="{6BA266D2-8A59-FE1B-9849-071CF8B918B8}"/>
+                <a16:creationId xmlns:a16="http://schemas.microsoft.com/office/drawing/2014/main" id="{699B0605-FC64-DEC7-BF35-8C0EBEE60352}"/>
               </a:ext>
             </a:extLst>
           </p:cNvPr>
@@ -1659,7 +1659,7 @@
           <p:cNvPr id="5" name="文本占位符 4">
             <a:extLst>
               <a:ext uri="{FF2B5EF4-FFF2-40B4-BE49-F238E27FC236}">
-                <a16:creationId xmlns:a16="http://schemas.microsoft.com/office/drawing/2014/main" id="{19737136-DDE5-FD4B-092A-DA3618647C04}"/>
+                <a16:creationId xmlns:a16="http://schemas.microsoft.com/office/drawing/2014/main" id="{B6AEA090-2E0A-72F4-F6D9-252C2DB5CE05}"/>
               </a:ext>
             </a:extLst>
           </p:cNvPr>
@@ -1730,7 +1730,7 @@
           <p:cNvPr id="6" name="内容占位符 5">
             <a:extLst>
               <a:ext uri="{FF2B5EF4-FFF2-40B4-BE49-F238E27FC236}">
-                <a16:creationId xmlns:a16="http://schemas.microsoft.com/office/drawing/2014/main" id="{F1E6D5EB-A386-1044-72F9-E6E3BA6DC4A8}"/>
+                <a16:creationId xmlns:a16="http://schemas.microsoft.com/office/drawing/2014/main" id="{940BEA5F-5D3A-6DD3-27D4-AF185B2674EE}"/>
               </a:ext>
             </a:extLst>
           </p:cNvPr>
@@ -1792,7 +1792,7 @@
           <p:cNvPr id="7" name="日期占位符 6">
             <a:extLst>
               <a:ext uri="{FF2B5EF4-FFF2-40B4-BE49-F238E27FC236}">
-                <a16:creationId xmlns:a16="http://schemas.microsoft.com/office/drawing/2014/main" id="{06E762D1-07EE-2975-57F3-DE4B401ADD21}"/>
+                <a16:creationId xmlns:a16="http://schemas.microsoft.com/office/drawing/2014/main" id="{D8CF9933-3360-1834-0E66-E429AC40A4D6}"/>
               </a:ext>
             </a:extLst>
           </p:cNvPr>
@@ -1808,7 +1808,7 @@
           <a:bodyPr/>
           <a:lstStyle/>
           <a:p>
-            <a:fld id="{898A45A2-97BC-4485-A1DE-301A1C545820}" type="datetimeFigureOut">
+            <a:fld id="{9E51B666-DCE6-4F50-9422-E0B021EA28BA}" type="datetimeFigureOut">
               <a:rPr lang="zh-CN" altLang="en-US" smtClean="0"/>
               <a:t>2024/3/10</a:t>
             </a:fld>
@@ -1821,7 +1821,7 @@
           <p:cNvPr id="8" name="页脚占位符 7">
             <a:extLst>
               <a:ext uri="{FF2B5EF4-FFF2-40B4-BE49-F238E27FC236}">
-                <a16:creationId xmlns:a16="http://schemas.microsoft.com/office/drawing/2014/main" id="{F7FDD931-EA3F-2041-6A09-1E4661FECB49}"/>
+                <a16:creationId xmlns:a16="http://schemas.microsoft.com/office/drawing/2014/main" id="{2B2A5797-B8FF-3B9F-CBAF-FE4233128D32}"/>
               </a:ext>
             </a:extLst>
           </p:cNvPr>
@@ -1846,7 +1846,7 @@
           <p:cNvPr id="9" name="灯片编号占位符 8">
             <a:extLst>
               <a:ext uri="{FF2B5EF4-FFF2-40B4-BE49-F238E27FC236}">
-                <a16:creationId xmlns:a16="http://schemas.microsoft.com/office/drawing/2014/main" id="{5546F5CA-E6A8-3582-D6F0-F1BAB6E86084}"/>
+                <a16:creationId xmlns:a16="http://schemas.microsoft.com/office/drawing/2014/main" id="{54C0EA84-8BB7-4A1B-7722-29DC662AC5BC}"/>
               </a:ext>
             </a:extLst>
           </p:cNvPr>
@@ -1862,7 +1862,7 @@
           <a:bodyPr/>
           <a:lstStyle/>
           <a:p>
-            <a:fld id="{4516BFE8-EA22-4E36-B967-F55BDE96881D}" type="slidenum">
+            <a:fld id="{70F8DC5D-A128-44B3-BC5B-F380C8C040D4}" type="slidenum">
               <a:rPr lang="zh-CN" altLang="en-US" smtClean="0"/>
               <a:t>‹#›</a:t>
             </a:fld>
@@ -1873,7 +1873,7 @@
     </p:spTree>
     <p:extLst>
       <p:ext uri="{BB962C8B-B14F-4D97-AF65-F5344CB8AC3E}">
-        <p14:creationId xmlns:p14="http://schemas.microsoft.com/office/powerpoint/2010/main" val="768983810"/>
+        <p14:creationId xmlns:p14="http://schemas.microsoft.com/office/powerpoint/2010/main" val="3751895241"/>
       </p:ext>
     </p:extLst>
   </p:cSld>
@@ -1905,7 +1905,7 @@
           <p:cNvPr id="2" name="标题 1">
             <a:extLst>
               <a:ext uri="{FF2B5EF4-FFF2-40B4-BE49-F238E27FC236}">
-                <a16:creationId xmlns:a16="http://schemas.microsoft.com/office/drawing/2014/main" id="{5035FC67-70D1-C36C-4CEA-33D6C4142145}"/>
+                <a16:creationId xmlns:a16="http://schemas.microsoft.com/office/drawing/2014/main" id="{DDEE0356-8BD1-E085-A48C-03B9653F1849}"/>
               </a:ext>
             </a:extLst>
           </p:cNvPr>
@@ -1933,7 +1933,7 @@
           <p:cNvPr id="3" name="日期占位符 2">
             <a:extLst>
               <a:ext uri="{FF2B5EF4-FFF2-40B4-BE49-F238E27FC236}">
-                <a16:creationId xmlns:a16="http://schemas.microsoft.com/office/drawing/2014/main" id="{00DDD344-E6D2-0291-F085-1104F2395560}"/>
+                <a16:creationId xmlns:a16="http://schemas.microsoft.com/office/drawing/2014/main" id="{E9119056-5B6E-3033-6CE1-53C140B6F2D9}"/>
               </a:ext>
             </a:extLst>
           </p:cNvPr>
@@ -1949,7 +1949,7 @@
           <a:bodyPr/>
           <a:lstStyle/>
           <a:p>
-            <a:fld id="{898A45A2-97BC-4485-A1DE-301A1C545820}" type="datetimeFigureOut">
+            <a:fld id="{9E51B666-DCE6-4F50-9422-E0B021EA28BA}" type="datetimeFigureOut">
               <a:rPr lang="zh-CN" altLang="en-US" smtClean="0"/>
               <a:t>2024/3/10</a:t>
             </a:fld>
@@ -1962,7 +1962,7 @@
           <p:cNvPr id="4" name="页脚占位符 3">
             <a:extLst>
               <a:ext uri="{FF2B5EF4-FFF2-40B4-BE49-F238E27FC236}">
-                <a16:creationId xmlns:a16="http://schemas.microsoft.com/office/drawing/2014/main" id="{D9265A4B-ED4D-1807-9699-C487A62730AC}"/>
+                <a16:creationId xmlns:a16="http://schemas.microsoft.com/office/drawing/2014/main" id="{20CA4059-8466-B74C-BDC3-7FF88E7B225B}"/>
               </a:ext>
             </a:extLst>
           </p:cNvPr>
@@ -1987,7 +1987,7 @@
           <p:cNvPr id="5" name="灯片编号占位符 4">
             <a:extLst>
               <a:ext uri="{FF2B5EF4-FFF2-40B4-BE49-F238E27FC236}">
-                <a16:creationId xmlns:a16="http://schemas.microsoft.com/office/drawing/2014/main" id="{DAE77229-BFA4-E659-AA97-F5DEC6BCF4D6}"/>
+                <a16:creationId xmlns:a16="http://schemas.microsoft.com/office/drawing/2014/main" id="{A8E13DC6-FB59-7FCD-70C2-77A1C253C16B}"/>
               </a:ext>
             </a:extLst>
           </p:cNvPr>
@@ -2003,7 +2003,7 @@
           <a:bodyPr/>
           <a:lstStyle/>
           <a:p>
-            <a:fld id="{4516BFE8-EA22-4E36-B967-F55BDE96881D}" type="slidenum">
+            <a:fld id="{70F8DC5D-A128-44B3-BC5B-F380C8C040D4}" type="slidenum">
               <a:rPr lang="zh-CN" altLang="en-US" smtClean="0"/>
               <a:t>‹#›</a:t>
             </a:fld>
@@ -2014,7 +2014,7 @@
     </p:spTree>
     <p:extLst>
       <p:ext uri="{BB962C8B-B14F-4D97-AF65-F5344CB8AC3E}">
-        <p14:creationId xmlns:p14="http://schemas.microsoft.com/office/powerpoint/2010/main" val="1108430213"/>
+        <p14:creationId xmlns:p14="http://schemas.microsoft.com/office/powerpoint/2010/main" val="2605246261"/>
       </p:ext>
     </p:extLst>
   </p:cSld>
@@ -2046,7 +2046,7 @@
           <p:cNvPr id="2" name="日期占位符 1">
             <a:extLst>
               <a:ext uri="{FF2B5EF4-FFF2-40B4-BE49-F238E27FC236}">
-                <a16:creationId xmlns:a16="http://schemas.microsoft.com/office/drawing/2014/main" id="{039AA913-ABD2-4A55-C5CD-AA973938B583}"/>
+                <a16:creationId xmlns:a16="http://schemas.microsoft.com/office/drawing/2014/main" id="{1100BF5E-51C7-6FC8-89E1-F6CCC37E8837}"/>
               </a:ext>
             </a:extLst>
           </p:cNvPr>
@@ -2062,7 +2062,7 @@
           <a:bodyPr/>
           <a:lstStyle/>
           <a:p>
-            <a:fld id="{898A45A2-97BC-4485-A1DE-301A1C545820}" type="datetimeFigureOut">
+            <a:fld id="{9E51B666-DCE6-4F50-9422-E0B021EA28BA}" type="datetimeFigureOut">
               <a:rPr lang="zh-CN" altLang="en-US" smtClean="0"/>
               <a:t>2024/3/10</a:t>
             </a:fld>
@@ -2075,7 +2075,7 @@
           <p:cNvPr id="3" name="页脚占位符 2">
             <a:extLst>
               <a:ext uri="{FF2B5EF4-FFF2-40B4-BE49-F238E27FC236}">
-                <a16:creationId xmlns:a16="http://schemas.microsoft.com/office/drawing/2014/main" id="{9B55697D-6493-4711-4D92-4C86CC993335}"/>
+                <a16:creationId xmlns:a16="http://schemas.microsoft.com/office/drawing/2014/main" id="{F57BB057-200F-CA4C-766A-7E0E2F617952}"/>
               </a:ext>
             </a:extLst>
           </p:cNvPr>
@@ -2100,7 +2100,7 @@
           <p:cNvPr id="4" name="灯片编号占位符 3">
             <a:extLst>
               <a:ext uri="{FF2B5EF4-FFF2-40B4-BE49-F238E27FC236}">
-                <a16:creationId xmlns:a16="http://schemas.microsoft.com/office/drawing/2014/main" id="{D6641E77-E75B-E8C3-8E15-B15D575A60BE}"/>
+                <a16:creationId xmlns:a16="http://schemas.microsoft.com/office/drawing/2014/main" id="{481A34E4-B0EB-81C4-2D08-9AB4ED112AF8}"/>
               </a:ext>
             </a:extLst>
           </p:cNvPr>
@@ -2116,7 +2116,7 @@
           <a:bodyPr/>
           <a:lstStyle/>
           <a:p>
-            <a:fld id="{4516BFE8-EA22-4E36-B967-F55BDE96881D}" type="slidenum">
+            <a:fld id="{70F8DC5D-A128-44B3-BC5B-F380C8C040D4}" type="slidenum">
               <a:rPr lang="zh-CN" altLang="en-US" smtClean="0"/>
               <a:t>‹#›</a:t>
             </a:fld>
@@ -2127,7 +2127,7 @@
     </p:spTree>
     <p:extLst>
       <p:ext uri="{BB962C8B-B14F-4D97-AF65-F5344CB8AC3E}">
-        <p14:creationId xmlns:p14="http://schemas.microsoft.com/office/powerpoint/2010/main" val="2172694749"/>
+        <p14:creationId xmlns:p14="http://schemas.microsoft.com/office/powerpoint/2010/main" val="3827583920"/>
       </p:ext>
     </p:extLst>
   </p:cSld>
@@ -2159,7 +2159,7 @@
           <p:cNvPr id="2" name="标题 1">
             <a:extLst>
               <a:ext uri="{FF2B5EF4-FFF2-40B4-BE49-F238E27FC236}">
-                <a16:creationId xmlns:a16="http://schemas.microsoft.com/office/drawing/2014/main" id="{816DA75F-4843-0845-E7B0-8115DE856BA2}"/>
+                <a16:creationId xmlns:a16="http://schemas.microsoft.com/office/drawing/2014/main" id="{B0735396-E7CA-9211-4A83-0003375CF28D}"/>
               </a:ext>
             </a:extLst>
           </p:cNvPr>
@@ -2196,7 +2196,7 @@
           <p:cNvPr id="3" name="内容占位符 2">
             <a:extLst>
               <a:ext uri="{FF2B5EF4-FFF2-40B4-BE49-F238E27FC236}">
-                <a16:creationId xmlns:a16="http://schemas.microsoft.com/office/drawing/2014/main" id="{824A366D-C732-D7AA-5639-FB2BD1450655}"/>
+                <a16:creationId xmlns:a16="http://schemas.microsoft.com/office/drawing/2014/main" id="{447C2E31-9EA3-EB3B-E0EB-C3A65F9FEF17}"/>
               </a:ext>
             </a:extLst>
           </p:cNvPr>
@@ -2286,7 +2286,7 @@
           <p:cNvPr id="4" name="文本占位符 3">
             <a:extLst>
               <a:ext uri="{FF2B5EF4-FFF2-40B4-BE49-F238E27FC236}">
-                <a16:creationId xmlns:a16="http://schemas.microsoft.com/office/drawing/2014/main" id="{B8D9EBA3-B29D-606C-00F3-76586ADB2CCC}"/>
+                <a16:creationId xmlns:a16="http://schemas.microsoft.com/office/drawing/2014/main" id="{D0729101-7223-10E9-4F0F-B94407816913}"/>
               </a:ext>
             </a:extLst>
           </p:cNvPr>
@@ -2357,7 +2357,7 @@
           <p:cNvPr id="5" name="日期占位符 4">
             <a:extLst>
               <a:ext uri="{FF2B5EF4-FFF2-40B4-BE49-F238E27FC236}">
-                <a16:creationId xmlns:a16="http://schemas.microsoft.com/office/drawing/2014/main" id="{52CFFF5C-A3E9-3780-07DD-B4D5E0FFAC02}"/>
+                <a16:creationId xmlns:a16="http://schemas.microsoft.com/office/drawing/2014/main" id="{448613D0-5D80-5893-1637-FCB49B08EAB3}"/>
               </a:ext>
             </a:extLst>
           </p:cNvPr>
@@ -2373,7 +2373,7 @@
           <a:bodyPr/>
           <a:lstStyle/>
           <a:p>
-            <a:fld id="{898A45A2-97BC-4485-A1DE-301A1C545820}" type="datetimeFigureOut">
+            <a:fld id="{9E51B666-DCE6-4F50-9422-E0B021EA28BA}" type="datetimeFigureOut">
               <a:rPr lang="zh-CN" altLang="en-US" smtClean="0"/>
               <a:t>2024/3/10</a:t>
             </a:fld>
@@ -2386,7 +2386,7 @@
           <p:cNvPr id="6" name="页脚占位符 5">
             <a:extLst>
               <a:ext uri="{FF2B5EF4-FFF2-40B4-BE49-F238E27FC236}">
-                <a16:creationId xmlns:a16="http://schemas.microsoft.com/office/drawing/2014/main" id="{79ED9BB4-BD8E-EF68-0799-EAA21EBAD4CB}"/>
+                <a16:creationId xmlns:a16="http://schemas.microsoft.com/office/drawing/2014/main" id="{524059DD-2C2B-624B-F414-314775FCCA00}"/>
               </a:ext>
             </a:extLst>
           </p:cNvPr>
@@ -2411,7 +2411,7 @@
           <p:cNvPr id="7" name="灯片编号占位符 6">
             <a:extLst>
               <a:ext uri="{FF2B5EF4-FFF2-40B4-BE49-F238E27FC236}">
-                <a16:creationId xmlns:a16="http://schemas.microsoft.com/office/drawing/2014/main" id="{81682DBE-1786-3109-503D-1F00FCC08811}"/>
+                <a16:creationId xmlns:a16="http://schemas.microsoft.com/office/drawing/2014/main" id="{D63D939A-B3F8-BAF1-A9A6-A7E24A591579}"/>
               </a:ext>
             </a:extLst>
           </p:cNvPr>
@@ -2427,7 +2427,7 @@
           <a:bodyPr/>
           <a:lstStyle/>
           <a:p>
-            <a:fld id="{4516BFE8-EA22-4E36-B967-F55BDE96881D}" type="slidenum">
+            <a:fld id="{70F8DC5D-A128-44B3-BC5B-F380C8C040D4}" type="slidenum">
               <a:rPr lang="zh-CN" altLang="en-US" smtClean="0"/>
               <a:t>‹#›</a:t>
             </a:fld>
@@ -2438,7 +2438,7 @@
     </p:spTree>
     <p:extLst>
       <p:ext uri="{BB962C8B-B14F-4D97-AF65-F5344CB8AC3E}">
-        <p14:creationId xmlns:p14="http://schemas.microsoft.com/office/powerpoint/2010/main" val="1697495053"/>
+        <p14:creationId xmlns:p14="http://schemas.microsoft.com/office/powerpoint/2010/main" val="3794499727"/>
       </p:ext>
     </p:extLst>
   </p:cSld>
@@ -2470,7 +2470,7 @@
           <p:cNvPr id="2" name="标题 1">
             <a:extLst>
               <a:ext uri="{FF2B5EF4-FFF2-40B4-BE49-F238E27FC236}">
-                <a16:creationId xmlns:a16="http://schemas.microsoft.com/office/drawing/2014/main" id="{1088A19B-FDC4-0FD4-7599-CCECDE8DB951}"/>
+                <a16:creationId xmlns:a16="http://schemas.microsoft.com/office/drawing/2014/main" id="{17D16D5A-544E-0403-EAD3-5C7023057F3F}"/>
               </a:ext>
             </a:extLst>
           </p:cNvPr>
@@ -2507,7 +2507,7 @@
           <p:cNvPr id="3" name="图片占位符 2">
             <a:extLst>
               <a:ext uri="{FF2B5EF4-FFF2-40B4-BE49-F238E27FC236}">
-                <a16:creationId xmlns:a16="http://schemas.microsoft.com/office/drawing/2014/main" id="{D0E767F7-3FEB-B953-C5D1-E3B15A372553}"/>
+                <a16:creationId xmlns:a16="http://schemas.microsoft.com/office/drawing/2014/main" id="{37CAF4C8-72AF-CFD2-3920-D5B3F41ACB9B}"/>
               </a:ext>
             </a:extLst>
           </p:cNvPr>
@@ -2574,7 +2574,7 @@
           <p:cNvPr id="4" name="文本占位符 3">
             <a:extLst>
               <a:ext uri="{FF2B5EF4-FFF2-40B4-BE49-F238E27FC236}">
-                <a16:creationId xmlns:a16="http://schemas.microsoft.com/office/drawing/2014/main" id="{AAD5B923-424C-881D-D569-7D601061E74C}"/>
+                <a16:creationId xmlns:a16="http://schemas.microsoft.com/office/drawing/2014/main" id="{4E56DF1C-6BBF-1AE2-0935-F4B3C7966FCD}"/>
               </a:ext>
             </a:extLst>
           </p:cNvPr>
@@ -2645,7 +2645,7 @@
           <p:cNvPr id="5" name="日期占位符 4">
             <a:extLst>
               <a:ext uri="{FF2B5EF4-FFF2-40B4-BE49-F238E27FC236}">
-                <a16:creationId xmlns:a16="http://schemas.microsoft.com/office/drawing/2014/main" id="{1B3D959E-90E8-F4BD-FFE0-A4443E4F8914}"/>
+                <a16:creationId xmlns:a16="http://schemas.microsoft.com/office/drawing/2014/main" id="{14B82D1B-F1CE-A49C-D68B-4C27F3BDD5E1}"/>
               </a:ext>
             </a:extLst>
           </p:cNvPr>
@@ -2661,7 +2661,7 @@
           <a:bodyPr/>
           <a:lstStyle/>
           <a:p>
-            <a:fld id="{898A45A2-97BC-4485-A1DE-301A1C545820}" type="datetimeFigureOut">
+            <a:fld id="{9E51B666-DCE6-4F50-9422-E0B021EA28BA}" type="datetimeFigureOut">
               <a:rPr lang="zh-CN" altLang="en-US" smtClean="0"/>
               <a:t>2024/3/10</a:t>
             </a:fld>
@@ -2674,7 +2674,7 @@
           <p:cNvPr id="6" name="页脚占位符 5">
             <a:extLst>
               <a:ext uri="{FF2B5EF4-FFF2-40B4-BE49-F238E27FC236}">
-                <a16:creationId xmlns:a16="http://schemas.microsoft.com/office/drawing/2014/main" id="{CDD01B69-B6D4-7BC0-235D-147E1CFA07F3}"/>
+                <a16:creationId xmlns:a16="http://schemas.microsoft.com/office/drawing/2014/main" id="{7221C654-505E-4E7F-9988-6FFB77F0E25E}"/>
               </a:ext>
             </a:extLst>
           </p:cNvPr>
@@ -2699,7 +2699,7 @@
           <p:cNvPr id="7" name="灯片编号占位符 6">
             <a:extLst>
               <a:ext uri="{FF2B5EF4-FFF2-40B4-BE49-F238E27FC236}">
-                <a16:creationId xmlns:a16="http://schemas.microsoft.com/office/drawing/2014/main" id="{F6A0CF00-EED8-6D6C-A741-FC03543F7588}"/>
+                <a16:creationId xmlns:a16="http://schemas.microsoft.com/office/drawing/2014/main" id="{2FF09F7C-0AC1-29F3-4962-95862EE29534}"/>
               </a:ext>
             </a:extLst>
           </p:cNvPr>
@@ -2715,7 +2715,7 @@
           <a:bodyPr/>
           <a:lstStyle/>
           <a:p>
-            <a:fld id="{4516BFE8-EA22-4E36-B967-F55BDE96881D}" type="slidenum">
+            <a:fld id="{70F8DC5D-A128-44B3-BC5B-F380C8C040D4}" type="slidenum">
               <a:rPr lang="zh-CN" altLang="en-US" smtClean="0"/>
               <a:t>‹#›</a:t>
             </a:fld>
@@ -2726,7 +2726,7 @@
     </p:spTree>
     <p:extLst>
       <p:ext uri="{BB962C8B-B14F-4D97-AF65-F5344CB8AC3E}">
-        <p14:creationId xmlns:p14="http://schemas.microsoft.com/office/powerpoint/2010/main" val="2052716696"/>
+        <p14:creationId xmlns:p14="http://schemas.microsoft.com/office/powerpoint/2010/main" val="2040742296"/>
       </p:ext>
     </p:extLst>
   </p:cSld>
@@ -2763,7 +2763,7 @@
           <p:cNvPr id="2" name="标题占位符 1">
             <a:extLst>
               <a:ext uri="{FF2B5EF4-FFF2-40B4-BE49-F238E27FC236}">
-                <a16:creationId xmlns:a16="http://schemas.microsoft.com/office/drawing/2014/main" id="{12E0823C-204F-22AE-2FD8-2AC927D6C585}"/>
+                <a16:creationId xmlns:a16="http://schemas.microsoft.com/office/drawing/2014/main" id="{D4F02C37-6BFA-1A29-CDF9-291FD668A410}"/>
               </a:ext>
             </a:extLst>
           </p:cNvPr>
@@ -2801,7 +2801,7 @@
           <p:cNvPr id="3" name="文本占位符 2">
             <a:extLst>
               <a:ext uri="{FF2B5EF4-FFF2-40B4-BE49-F238E27FC236}">
-                <a16:creationId xmlns:a16="http://schemas.microsoft.com/office/drawing/2014/main" id="{9AC56D5F-A719-C056-6EC6-CB34FB8DC2EC}"/>
+                <a16:creationId xmlns:a16="http://schemas.microsoft.com/office/drawing/2014/main" id="{C97DF209-701F-409B-7D80-9E809F695F77}"/>
               </a:ext>
             </a:extLst>
           </p:cNvPr>
@@ -2868,7 +2868,7 @@
           <p:cNvPr id="4" name="日期占位符 3">
             <a:extLst>
               <a:ext uri="{FF2B5EF4-FFF2-40B4-BE49-F238E27FC236}">
-                <a16:creationId xmlns:a16="http://schemas.microsoft.com/office/drawing/2014/main" id="{671908E2-49D9-9246-61FC-A634E04938AB}"/>
+                <a16:creationId xmlns:a16="http://schemas.microsoft.com/office/drawing/2014/main" id="{4F0928EA-9D3E-C3B0-9CC3-20EE4240C6C5}"/>
               </a:ext>
             </a:extLst>
           </p:cNvPr>
@@ -2902,7 +2902,7 @@
             </a:lvl1pPr>
           </a:lstStyle>
           <a:p>
-            <a:fld id="{898A45A2-97BC-4485-A1DE-301A1C545820}" type="datetimeFigureOut">
+            <a:fld id="{9E51B666-DCE6-4F50-9422-E0B021EA28BA}" type="datetimeFigureOut">
               <a:rPr lang="zh-CN" altLang="en-US" smtClean="0"/>
               <a:t>2024/3/10</a:t>
             </a:fld>
@@ -2915,7 +2915,7 @@
           <p:cNvPr id="5" name="页脚占位符 4">
             <a:extLst>
               <a:ext uri="{FF2B5EF4-FFF2-40B4-BE49-F238E27FC236}">
-                <a16:creationId xmlns:a16="http://schemas.microsoft.com/office/drawing/2014/main" id="{7E1D27D1-63BE-0B97-B96B-BF377E23EFE5}"/>
+                <a16:creationId xmlns:a16="http://schemas.microsoft.com/office/drawing/2014/main" id="{44597BC1-677F-7FCD-4635-B80A16B77A7B}"/>
               </a:ext>
             </a:extLst>
           </p:cNvPr>
@@ -2958,7 +2958,7 @@
           <p:cNvPr id="6" name="灯片编号占位符 5">
             <a:extLst>
               <a:ext uri="{FF2B5EF4-FFF2-40B4-BE49-F238E27FC236}">
-                <a16:creationId xmlns:a16="http://schemas.microsoft.com/office/drawing/2014/main" id="{F4AF4B97-4F77-DC74-7E36-C5ADAED624AF}"/>
+                <a16:creationId xmlns:a16="http://schemas.microsoft.com/office/drawing/2014/main" id="{97115D35-DA54-06C2-90CC-B75E89F5F0C1}"/>
               </a:ext>
             </a:extLst>
           </p:cNvPr>
@@ -2992,7 +2992,7 @@
             </a:lvl1pPr>
           </a:lstStyle>
           <a:p>
-            <a:fld id="{4516BFE8-EA22-4E36-B967-F55BDE96881D}" type="slidenum">
+            <a:fld id="{70F8DC5D-A128-44B3-BC5B-F380C8C040D4}" type="slidenum">
               <a:rPr lang="zh-CN" altLang="en-US" smtClean="0"/>
               <a:t>‹#›</a:t>
             </a:fld>
@@ -3003,7 +3003,7 @@
     </p:spTree>
     <p:extLst>
       <p:ext uri="{BB962C8B-B14F-4D97-AF65-F5344CB8AC3E}">
-        <p14:creationId xmlns:p14="http://schemas.microsoft.com/office/powerpoint/2010/main" val="638562493"/>
+        <p14:creationId xmlns:p14="http://schemas.microsoft.com/office/powerpoint/2010/main" val="1685560584"/>
       </p:ext>
     </p:extLst>
   </p:cSld>
